--- a/New Microsoft PowerPoint Presentation.pptx
+++ b/New Microsoft PowerPoint Presentation.pptx
@@ -3397,6 +3397,22 @@
           <a:bodyPr/>
           <a:lstStyle/>
           <a:p>
+            <a:r>
+              <a:rPr lang="en-US" dirty="0"/>
+              <a:t>Hey </a:t>
+            </a:r>
+            <a:r>
+              <a:rPr lang="en-US" dirty="0" err="1"/>
+              <a:t>hey</a:t>
+            </a:r>
+            <a:r>
+              <a:rPr lang="en-US" dirty="0"/>
+              <a:t> </a:t>
+            </a:r>
+            <a:r>
+              <a:rPr lang="en-US"/>
+              <a:t>heyyyy</a:t>
+            </a:r>
             <a:endParaRPr lang="de-DE"/>
           </a:p>
         </p:txBody>
